--- a/Resource/koncept.pptx
+++ b/Resource/koncept.pptx
@@ -105,6 +105,11 @@
       </a:defRPr>
     </a:lvl9pPr>
   </p:defaultTextStyle>
+  <p:extLst>
+    <p:ext uri="{EFAFB233-063F-42B5-8137-9DF3F51BA10A}">
+      <p15:sldGuideLst xmlns:p15="http://schemas.microsoft.com/office/powerpoint/2012/main"/>
+    </p:ext>
+  </p:extLst>
 </p:presentation>
 </file>
 
@@ -239,9 +244,9 @@
           <a:p>
             <a:fld id="{94E0D485-B434-40BE-84FF-F13A00F6B116}" type="datetimeFigureOut">
               <a:rPr lang="pl-PL" smtClean="0"/>
-              <a:t>05.08.2018</a:t>
+              <a:t>17.09.2018</a:t>
             </a:fld>
-            <a:endParaRPr lang="pl-PL"/>
+            <a:endParaRPr lang="pl-PL" dirty="0"/>
           </a:p>
         </p:txBody>
       </p:sp>
@@ -260,7 +265,7 @@
           <a:bodyPr/>
           <a:lstStyle/>
           <a:p>
-            <a:endParaRPr lang="pl-PL"/>
+            <a:endParaRPr lang="pl-PL" dirty="0"/>
           </a:p>
         </p:txBody>
       </p:sp>
@@ -283,7 +288,7 @@
               <a:rPr lang="pl-PL" smtClean="0"/>
               <a:t>‹#›</a:t>
             </a:fld>
-            <a:endParaRPr lang="pl-PL"/>
+            <a:endParaRPr lang="pl-PL" dirty="0"/>
           </a:p>
         </p:txBody>
       </p:sp>
@@ -409,9 +414,9 @@
           <a:p>
             <a:fld id="{94E0D485-B434-40BE-84FF-F13A00F6B116}" type="datetimeFigureOut">
               <a:rPr lang="pl-PL" smtClean="0"/>
-              <a:t>05.08.2018</a:t>
+              <a:t>17.09.2018</a:t>
             </a:fld>
-            <a:endParaRPr lang="pl-PL"/>
+            <a:endParaRPr lang="pl-PL" dirty="0"/>
           </a:p>
         </p:txBody>
       </p:sp>
@@ -430,7 +435,7 @@
           <a:bodyPr/>
           <a:lstStyle/>
           <a:p>
-            <a:endParaRPr lang="pl-PL"/>
+            <a:endParaRPr lang="pl-PL" dirty="0"/>
           </a:p>
         </p:txBody>
       </p:sp>
@@ -453,7 +458,7 @@
               <a:rPr lang="pl-PL" smtClean="0"/>
               <a:t>‹#›</a:t>
             </a:fld>
-            <a:endParaRPr lang="pl-PL"/>
+            <a:endParaRPr lang="pl-PL" dirty="0"/>
           </a:p>
         </p:txBody>
       </p:sp>
@@ -499,7 +504,7 @@
         </p:nvSpPr>
         <p:spPr>
           <a:xfrm>
-            <a:off x="8724900" y="365125"/>
+            <a:off x="8724901" y="365125"/>
             <a:ext cx="2628900" cy="5811838"/>
           </a:xfrm>
         </p:spPr>
@@ -527,7 +532,7 @@
         </p:nvSpPr>
         <p:spPr>
           <a:xfrm>
-            <a:off x="838200" y="365125"/>
+            <a:off x="838201" y="365125"/>
             <a:ext cx="7734300" cy="5811838"/>
           </a:xfrm>
         </p:spPr>
@@ -589,9 +594,9 @@
           <a:p>
             <a:fld id="{94E0D485-B434-40BE-84FF-F13A00F6B116}" type="datetimeFigureOut">
               <a:rPr lang="pl-PL" smtClean="0"/>
-              <a:t>05.08.2018</a:t>
+              <a:t>17.09.2018</a:t>
             </a:fld>
-            <a:endParaRPr lang="pl-PL"/>
+            <a:endParaRPr lang="pl-PL" dirty="0"/>
           </a:p>
         </p:txBody>
       </p:sp>
@@ -610,7 +615,7 @@
           <a:bodyPr/>
           <a:lstStyle/>
           <a:p>
-            <a:endParaRPr lang="pl-PL"/>
+            <a:endParaRPr lang="pl-PL" dirty="0"/>
           </a:p>
         </p:txBody>
       </p:sp>
@@ -633,7 +638,7 @@
               <a:rPr lang="pl-PL" smtClean="0"/>
               <a:t>‹#›</a:t>
             </a:fld>
-            <a:endParaRPr lang="pl-PL"/>
+            <a:endParaRPr lang="pl-PL" dirty="0"/>
           </a:p>
         </p:txBody>
       </p:sp>
@@ -759,9 +764,9 @@
           <a:p>
             <a:fld id="{94E0D485-B434-40BE-84FF-F13A00F6B116}" type="datetimeFigureOut">
               <a:rPr lang="pl-PL" smtClean="0"/>
-              <a:t>05.08.2018</a:t>
+              <a:t>17.09.2018</a:t>
             </a:fld>
-            <a:endParaRPr lang="pl-PL"/>
+            <a:endParaRPr lang="pl-PL" dirty="0"/>
           </a:p>
         </p:txBody>
       </p:sp>
@@ -780,7 +785,7 @@
           <a:bodyPr/>
           <a:lstStyle/>
           <a:p>
-            <a:endParaRPr lang="pl-PL"/>
+            <a:endParaRPr lang="pl-PL" dirty="0"/>
           </a:p>
         </p:txBody>
       </p:sp>
@@ -803,7 +808,7 @@
               <a:rPr lang="pl-PL" smtClean="0"/>
               <a:t>‹#›</a:t>
             </a:fld>
-            <a:endParaRPr lang="pl-PL"/>
+            <a:endParaRPr lang="pl-PL" dirty="0"/>
           </a:p>
         </p:txBody>
       </p:sp>
@@ -849,7 +854,7 @@
         </p:nvSpPr>
         <p:spPr>
           <a:xfrm>
-            <a:off x="831850" y="1709738"/>
+            <a:off x="831851" y="1709740"/>
             <a:ext cx="10515600" cy="2852737"/>
           </a:xfrm>
         </p:spPr>
@@ -881,7 +886,7 @@
         </p:nvSpPr>
         <p:spPr>
           <a:xfrm>
-            <a:off x="831850" y="4589463"/>
+            <a:off x="831851" y="4589465"/>
             <a:ext cx="10515600" cy="1500187"/>
           </a:xfrm>
         </p:spPr>
@@ -1005,9 +1010,9 @@
           <a:p>
             <a:fld id="{94E0D485-B434-40BE-84FF-F13A00F6B116}" type="datetimeFigureOut">
               <a:rPr lang="pl-PL" smtClean="0"/>
-              <a:t>05.08.2018</a:t>
+              <a:t>17.09.2018</a:t>
             </a:fld>
-            <a:endParaRPr lang="pl-PL"/>
+            <a:endParaRPr lang="pl-PL" dirty="0"/>
           </a:p>
         </p:txBody>
       </p:sp>
@@ -1026,7 +1031,7 @@
           <a:bodyPr/>
           <a:lstStyle/>
           <a:p>
-            <a:endParaRPr lang="pl-PL"/>
+            <a:endParaRPr lang="pl-PL" dirty="0"/>
           </a:p>
         </p:txBody>
       </p:sp>
@@ -1049,7 +1054,7 @@
               <a:rPr lang="pl-PL" smtClean="0"/>
               <a:t>‹#›</a:t>
             </a:fld>
-            <a:endParaRPr lang="pl-PL"/>
+            <a:endParaRPr lang="pl-PL" dirty="0"/>
           </a:p>
         </p:txBody>
       </p:sp>
@@ -1237,9 +1242,9 @@
           <a:p>
             <a:fld id="{94E0D485-B434-40BE-84FF-F13A00F6B116}" type="datetimeFigureOut">
               <a:rPr lang="pl-PL" smtClean="0"/>
-              <a:t>05.08.2018</a:t>
+              <a:t>17.09.2018</a:t>
             </a:fld>
-            <a:endParaRPr lang="pl-PL"/>
+            <a:endParaRPr lang="pl-PL" dirty="0"/>
           </a:p>
         </p:txBody>
       </p:sp>
@@ -1258,7 +1263,7 @@
           <a:bodyPr/>
           <a:lstStyle/>
           <a:p>
-            <a:endParaRPr lang="pl-PL"/>
+            <a:endParaRPr lang="pl-PL" dirty="0"/>
           </a:p>
         </p:txBody>
       </p:sp>
@@ -1281,7 +1286,7 @@
               <a:rPr lang="pl-PL" smtClean="0"/>
               <a:t>‹#›</a:t>
             </a:fld>
-            <a:endParaRPr lang="pl-PL"/>
+            <a:endParaRPr lang="pl-PL" dirty="0"/>
           </a:p>
         </p:txBody>
       </p:sp>
@@ -1327,7 +1332,7 @@
         </p:nvSpPr>
         <p:spPr>
           <a:xfrm>
-            <a:off x="839788" y="365125"/>
+            <a:off x="839788" y="365127"/>
             <a:ext cx="10515600" cy="1325563"/>
           </a:xfrm>
         </p:spPr>
@@ -1355,7 +1360,7 @@
         </p:nvSpPr>
         <p:spPr>
           <a:xfrm>
-            <a:off x="839788" y="1681163"/>
+            <a:off x="839789" y="1681163"/>
             <a:ext cx="5157787" cy="823912"/>
           </a:xfrm>
         </p:spPr>
@@ -1420,7 +1425,7 @@
         </p:nvSpPr>
         <p:spPr>
           <a:xfrm>
-            <a:off x="839788" y="2505075"/>
+            <a:off x="839789" y="2505075"/>
             <a:ext cx="5157787" cy="3684588"/>
           </a:xfrm>
         </p:spPr>
@@ -1477,7 +1482,7 @@
         </p:nvSpPr>
         <p:spPr>
           <a:xfrm>
-            <a:off x="6172200" y="1681163"/>
+            <a:off x="6172201" y="1681163"/>
             <a:ext cx="5183188" cy="823912"/>
           </a:xfrm>
         </p:spPr>
@@ -1542,7 +1547,7 @@
         </p:nvSpPr>
         <p:spPr>
           <a:xfrm>
-            <a:off x="6172200" y="2505075"/>
+            <a:off x="6172201" y="2505075"/>
             <a:ext cx="5183188" cy="3684588"/>
           </a:xfrm>
         </p:spPr>
@@ -1604,9 +1609,9 @@
           <a:p>
             <a:fld id="{94E0D485-B434-40BE-84FF-F13A00F6B116}" type="datetimeFigureOut">
               <a:rPr lang="pl-PL" smtClean="0"/>
-              <a:t>05.08.2018</a:t>
+              <a:t>17.09.2018</a:t>
             </a:fld>
-            <a:endParaRPr lang="pl-PL"/>
+            <a:endParaRPr lang="pl-PL" dirty="0"/>
           </a:p>
         </p:txBody>
       </p:sp>
@@ -1625,7 +1630,7 @@
           <a:bodyPr/>
           <a:lstStyle/>
           <a:p>
-            <a:endParaRPr lang="pl-PL"/>
+            <a:endParaRPr lang="pl-PL" dirty="0"/>
           </a:p>
         </p:txBody>
       </p:sp>
@@ -1648,7 +1653,7 @@
               <a:rPr lang="pl-PL" smtClean="0"/>
               <a:t>‹#›</a:t>
             </a:fld>
-            <a:endParaRPr lang="pl-PL"/>
+            <a:endParaRPr lang="pl-PL" dirty="0"/>
           </a:p>
         </p:txBody>
       </p:sp>
@@ -1722,9 +1727,9 @@
           <a:p>
             <a:fld id="{94E0D485-B434-40BE-84FF-F13A00F6B116}" type="datetimeFigureOut">
               <a:rPr lang="pl-PL" smtClean="0"/>
-              <a:t>05.08.2018</a:t>
+              <a:t>17.09.2018</a:t>
             </a:fld>
-            <a:endParaRPr lang="pl-PL"/>
+            <a:endParaRPr lang="pl-PL" dirty="0"/>
           </a:p>
         </p:txBody>
       </p:sp>
@@ -1743,7 +1748,7 @@
           <a:bodyPr/>
           <a:lstStyle/>
           <a:p>
-            <a:endParaRPr lang="pl-PL"/>
+            <a:endParaRPr lang="pl-PL" dirty="0"/>
           </a:p>
         </p:txBody>
       </p:sp>
@@ -1766,7 +1771,7 @@
               <a:rPr lang="pl-PL" smtClean="0"/>
               <a:t>‹#›</a:t>
             </a:fld>
-            <a:endParaRPr lang="pl-PL"/>
+            <a:endParaRPr lang="pl-PL" dirty="0"/>
           </a:p>
         </p:txBody>
       </p:sp>
@@ -1817,9 +1822,9 @@
           <a:p>
             <a:fld id="{94E0D485-B434-40BE-84FF-F13A00F6B116}" type="datetimeFigureOut">
               <a:rPr lang="pl-PL" smtClean="0"/>
-              <a:t>05.08.2018</a:t>
+              <a:t>17.09.2018</a:t>
             </a:fld>
-            <a:endParaRPr lang="pl-PL"/>
+            <a:endParaRPr lang="pl-PL" dirty="0"/>
           </a:p>
         </p:txBody>
       </p:sp>
@@ -1838,7 +1843,7 @@
           <a:bodyPr/>
           <a:lstStyle/>
           <a:p>
-            <a:endParaRPr lang="pl-PL"/>
+            <a:endParaRPr lang="pl-PL" dirty="0"/>
           </a:p>
         </p:txBody>
       </p:sp>
@@ -1861,7 +1866,7 @@
               <a:rPr lang="pl-PL" smtClean="0"/>
               <a:t>‹#›</a:t>
             </a:fld>
-            <a:endParaRPr lang="pl-PL"/>
+            <a:endParaRPr lang="pl-PL" dirty="0"/>
           </a:p>
         </p:txBody>
       </p:sp>
@@ -1939,7 +1944,7 @@
         </p:nvSpPr>
         <p:spPr>
           <a:xfrm>
-            <a:off x="5183188" y="987425"/>
+            <a:off x="5183188" y="987427"/>
             <a:ext cx="6172200" cy="4873625"/>
           </a:xfrm>
         </p:spPr>
@@ -2094,9 +2099,9 @@
           <a:p>
             <a:fld id="{94E0D485-B434-40BE-84FF-F13A00F6B116}" type="datetimeFigureOut">
               <a:rPr lang="pl-PL" smtClean="0"/>
-              <a:t>05.08.2018</a:t>
+              <a:t>17.09.2018</a:t>
             </a:fld>
-            <a:endParaRPr lang="pl-PL"/>
+            <a:endParaRPr lang="pl-PL" dirty="0"/>
           </a:p>
         </p:txBody>
       </p:sp>
@@ -2115,7 +2120,7 @@
           <a:bodyPr/>
           <a:lstStyle/>
           <a:p>
-            <a:endParaRPr lang="pl-PL"/>
+            <a:endParaRPr lang="pl-PL" dirty="0"/>
           </a:p>
         </p:txBody>
       </p:sp>
@@ -2138,7 +2143,7 @@
               <a:rPr lang="pl-PL" smtClean="0"/>
               <a:t>‹#›</a:t>
             </a:fld>
-            <a:endParaRPr lang="pl-PL"/>
+            <a:endParaRPr lang="pl-PL" dirty="0"/>
           </a:p>
         </p:txBody>
       </p:sp>
@@ -2216,7 +2221,7 @@
         </p:nvSpPr>
         <p:spPr>
           <a:xfrm>
-            <a:off x="5183188" y="987425"/>
+            <a:off x="5183188" y="987427"/>
             <a:ext cx="6172200" cy="4873625"/>
           </a:xfrm>
         </p:spPr>
@@ -2261,7 +2266,7 @@
             </a:lvl9pPr>
           </a:lstStyle>
           <a:p>
-            <a:endParaRPr lang="pl-PL"/>
+            <a:endParaRPr lang="pl-PL" dirty="0"/>
           </a:p>
         </p:txBody>
       </p:sp>
@@ -2347,9 +2352,9 @@
           <a:p>
             <a:fld id="{94E0D485-B434-40BE-84FF-F13A00F6B116}" type="datetimeFigureOut">
               <a:rPr lang="pl-PL" smtClean="0"/>
-              <a:t>05.08.2018</a:t>
+              <a:t>17.09.2018</a:t>
             </a:fld>
-            <a:endParaRPr lang="pl-PL"/>
+            <a:endParaRPr lang="pl-PL" dirty="0"/>
           </a:p>
         </p:txBody>
       </p:sp>
@@ -2368,7 +2373,7 @@
           <a:bodyPr/>
           <a:lstStyle/>
           <a:p>
-            <a:endParaRPr lang="pl-PL"/>
+            <a:endParaRPr lang="pl-PL" dirty="0"/>
           </a:p>
         </p:txBody>
       </p:sp>
@@ -2391,7 +2396,7 @@
               <a:rPr lang="pl-PL" smtClean="0"/>
               <a:t>‹#›</a:t>
             </a:fld>
-            <a:endParaRPr lang="pl-PL"/>
+            <a:endParaRPr lang="pl-PL" dirty="0"/>
           </a:p>
         </p:txBody>
       </p:sp>
@@ -2442,7 +2447,7 @@
         </p:nvSpPr>
         <p:spPr>
           <a:xfrm>
-            <a:off x="838200" y="365125"/>
+            <a:off x="838200" y="365127"/>
             <a:ext cx="10515600" cy="1325563"/>
           </a:xfrm>
           <a:prstGeom prst="rect">
@@ -2537,7 +2542,7 @@
         </p:nvSpPr>
         <p:spPr>
           <a:xfrm>
-            <a:off x="838200" y="6356350"/>
+            <a:off x="838200" y="6356352"/>
             <a:ext cx="2743200" cy="365125"/>
           </a:xfrm>
           <a:prstGeom prst="rect">
@@ -2560,9 +2565,9 @@
           <a:p>
             <a:fld id="{94E0D485-B434-40BE-84FF-F13A00F6B116}" type="datetimeFigureOut">
               <a:rPr lang="pl-PL" smtClean="0"/>
-              <a:t>05.08.2018</a:t>
+              <a:t>17.09.2018</a:t>
             </a:fld>
-            <a:endParaRPr lang="pl-PL"/>
+            <a:endParaRPr lang="pl-PL" dirty="0"/>
           </a:p>
         </p:txBody>
       </p:sp>
@@ -2578,7 +2583,7 @@
         </p:nvSpPr>
         <p:spPr>
           <a:xfrm>
-            <a:off x="4038600" y="6356350"/>
+            <a:off x="4038600" y="6356352"/>
             <a:ext cx="4114800" cy="365125"/>
           </a:xfrm>
           <a:prstGeom prst="rect">
@@ -2599,7 +2604,7 @@
             </a:lvl1pPr>
           </a:lstStyle>
           <a:p>
-            <a:endParaRPr lang="pl-PL"/>
+            <a:endParaRPr lang="pl-PL" dirty="0"/>
           </a:p>
         </p:txBody>
       </p:sp>
@@ -2615,7 +2620,7 @@
         </p:nvSpPr>
         <p:spPr>
           <a:xfrm>
-            <a:off x="8610600" y="6356350"/>
+            <a:off x="8610600" y="6356352"/>
             <a:ext cx="2743200" cy="365125"/>
           </a:xfrm>
           <a:prstGeom prst="rect">
@@ -2640,7 +2645,7 @@
               <a:rPr lang="pl-PL" smtClean="0"/>
               <a:t>‹#›</a:t>
             </a:fld>
-            <a:endParaRPr lang="pl-PL"/>
+            <a:endParaRPr lang="pl-PL" dirty="0"/>
           </a:p>
         </p:txBody>
       </p:sp>
@@ -3071,7 +3076,7 @@
         </p:blipFill>
         <p:spPr>
           <a:xfrm>
-            <a:off x="7731832" y="0"/>
+            <a:off x="7731834" y="0"/>
             <a:ext cx="1529423" cy="6858000"/>
           </a:xfrm>
           <a:prstGeom prst="rect">
@@ -3101,7 +3106,7 @@
         </p:blipFill>
         <p:spPr>
           <a:xfrm>
-            <a:off x="9296644" y="0"/>
+            <a:off x="9296646" y="0"/>
             <a:ext cx="1447977" cy="6858000"/>
           </a:xfrm>
           <a:prstGeom prst="rect">
@@ -3169,6 +3174,147 @@
           <a:chExt cx="0" cy="0"/>
         </a:xfrm>
       </p:grpSpPr>
+      <p:sp>
+        <p:nvSpPr>
+          <p:cNvPr id="2" name="pole tekstowe 1"/>
+          <p:cNvSpPr txBox="1"/>
+          <p:nvPr/>
+        </p:nvSpPr>
+        <p:spPr>
+          <a:xfrm>
+            <a:off x="783464" y="4981818"/>
+            <a:ext cx="6345007" cy="1107996"/>
+          </a:xfrm>
+          <a:prstGeom prst="rect">
+            <a:avLst/>
+          </a:prstGeom>
+          <a:noFill/>
+        </p:spPr>
+        <p:txBody>
+          <a:bodyPr wrap="none" rtlCol="0">
+            <a:spAutoFit/>
+          </a:bodyPr>
+          <a:lstStyle/>
+          <a:p>
+            <a:r>
+              <a:rPr lang="pl-PL" sz="6600" dirty="0">
+                <a:solidFill>
+                  <a:srgbClr val="314A8C"/>
+                </a:solidFill>
+                <a:latin typeface="Showcard Gothic" panose="04020904020102020604" pitchFamily="82" charset="0"/>
+              </a:rPr>
+              <a:t>MRzeszowiak</a:t>
+            </a:r>
+            <a:endParaRPr lang="en-US" sz="6600" dirty="0">
+              <a:solidFill>
+                <a:srgbClr val="314A8C"/>
+              </a:solidFill>
+              <a:latin typeface="Showcard Gothic" panose="04020904020102020604" pitchFamily="82" charset="0"/>
+            </a:endParaRPr>
+          </a:p>
+        </p:txBody>
+      </p:sp>
+      <p:sp>
+        <p:nvSpPr>
+          <p:cNvPr id="6" name="Prostokąt zaokrąglony 5"/>
+          <p:cNvSpPr/>
+          <p:nvPr/>
+        </p:nvSpPr>
+        <p:spPr>
+          <a:xfrm>
+            <a:off x="9929092" y="2115128"/>
+            <a:ext cx="1980000" cy="1980000"/>
+          </a:xfrm>
+          <a:prstGeom prst="roundRect">
+            <a:avLst/>
+          </a:prstGeom>
+          <a:solidFill>
+            <a:srgbClr val="314A8C"/>
+          </a:solidFill>
+        </p:spPr>
+        <p:style>
+          <a:lnRef idx="2">
+            <a:schemeClr val="accent1">
+              <a:shade val="50000"/>
+            </a:schemeClr>
+          </a:lnRef>
+          <a:fillRef idx="1">
+            <a:schemeClr val="accent1"/>
+          </a:fillRef>
+          <a:effectRef idx="0">
+            <a:schemeClr val="accent1"/>
+          </a:effectRef>
+          <a:fontRef idx="minor">
+            <a:schemeClr val="lt1"/>
+          </a:fontRef>
+        </p:style>
+        <p:txBody>
+          <a:bodyPr rot="0" spcFirstLastPara="0" vertOverflow="overflow" horzOverflow="overflow" vert="horz" wrap="square" lIns="91440" tIns="45720" rIns="91440" bIns="45720" numCol="1" spcCol="0" rtlCol="0" fromWordArt="0" anchor="ctr" anchorCtr="0" forceAA="0" compatLnSpc="1">
+            <a:prstTxWarp prst="textNoShape">
+              <a:avLst/>
+            </a:prstTxWarp>
+            <a:noAutofit/>
+          </a:bodyPr>
+          <a:lstStyle/>
+          <a:p>
+            <a:pPr algn="ctr"/>
+            <a:endParaRPr lang="en-US">
+              <a:solidFill>
+                <a:schemeClr val="accent1">
+                  <a:lumMod val="75000"/>
+                </a:schemeClr>
+              </a:solidFill>
+            </a:endParaRPr>
+          </a:p>
+        </p:txBody>
+      </p:sp>
+      <p:pic>
+        <p:nvPicPr>
+          <p:cNvPr id="7" name="Obraz 6"/>
+          <p:cNvPicPr>
+            <a:picLocks noChangeAspect="1"/>
+          </p:cNvPicPr>
+          <p:nvPr/>
+        </p:nvPicPr>
+        <p:blipFill rotWithShape="1">
+          <a:blip r:embed="rId2"/>
+          <a:srcRect l="5105" t="4152" r="5548" b="16063"/>
+          <a:stretch/>
+        </p:blipFill>
+        <p:spPr>
+          <a:xfrm>
+            <a:off x="10175565" y="2283091"/>
+            <a:ext cx="1487055" cy="1644074"/>
+          </a:xfrm>
+          <a:prstGeom prst="rect">
+            <a:avLst/>
+          </a:prstGeom>
+        </p:spPr>
+      </p:pic>
+      <p:pic>
+        <p:nvPicPr>
+          <p:cNvPr id="9" name="Obraz 8"/>
+          <p:cNvPicPr>
+            <a:picLocks noChangeAspect="1"/>
+          </p:cNvPicPr>
+          <p:nvPr/>
+        </p:nvPicPr>
+        <p:blipFill>
+          <a:blip r:embed="rId3"/>
+          <a:stretch>
+            <a:fillRect/>
+          </a:stretch>
+        </p:blipFill>
+        <p:spPr>
+          <a:xfrm>
+            <a:off x="2342972" y="424873"/>
+            <a:ext cx="3225990" cy="3980872"/>
+          </a:xfrm>
+          <a:prstGeom prst="rect">
+            <a:avLst/>
+          </a:prstGeom>
+        </p:spPr>
+      </p:pic>
     </p:spTree>
     <p:extLst>
       <p:ext uri="{BB962C8B-B14F-4D97-AF65-F5344CB8AC3E}">
@@ -3179,6 +3325,13 @@
   <p:clrMapOvr>
     <a:masterClrMapping/>
   </p:clrMapOvr>
+  <p:timing>
+    <p:tnLst>
+      <p:par>
+        <p:cTn id="1" dur="indefinite" restart="never" nodeType="tmRoot"/>
+      </p:par>
+    </p:tnLst>
+  </p:timing>
 </p:sld>
 </file>
 
